--- a/EDA Case Study.pptx
+++ b/EDA Case Study.pptx
@@ -869,7 +869,7 @@
           <a:p>
             <a:fld id="{8CE540A3-FD08-4A68-8B7A-9AAAB4FC9B04}" type="datetimeFigureOut">
               <a:rPr lang="en-US" smtClean="0"/>
-              <a:t>1/19/2025</a:t>
+              <a:t>1/21/2025</a:t>
             </a:fld>
             <a:endParaRPr lang="en-US"/>
           </a:p>
@@ -1120,7 +1120,7 @@
           <a:p>
             <a:fld id="{8CE540A3-FD08-4A68-8B7A-9AAAB4FC9B04}" type="datetimeFigureOut">
               <a:rPr lang="en-US" smtClean="0"/>
-              <a:t>1/19/2025</a:t>
+              <a:t>1/21/2025</a:t>
             </a:fld>
             <a:endParaRPr lang="en-US"/>
           </a:p>
@@ -1434,7 +1434,7 @@
           <a:p>
             <a:fld id="{8CE540A3-FD08-4A68-8B7A-9AAAB4FC9B04}" type="datetimeFigureOut">
               <a:rPr lang="en-US" smtClean="0"/>
-              <a:t>1/19/2025</a:t>
+              <a:t>1/21/2025</a:t>
             </a:fld>
             <a:endParaRPr lang="en-US"/>
           </a:p>
@@ -1775,7 +1775,7 @@
           <a:p>
             <a:fld id="{8CE540A3-FD08-4A68-8B7A-9AAAB4FC9B04}" type="datetimeFigureOut">
               <a:rPr lang="en-US" smtClean="0"/>
-              <a:t>1/19/2025</a:t>
+              <a:t>1/21/2025</a:t>
             </a:fld>
             <a:endParaRPr lang="en-US"/>
           </a:p>
@@ -2089,7 +2089,7 @@
           <a:p>
             <a:fld id="{8CE540A3-FD08-4A68-8B7A-9AAAB4FC9B04}" type="datetimeFigureOut">
               <a:rPr lang="en-US" smtClean="0"/>
-              <a:t>1/19/2025</a:t>
+              <a:t>1/21/2025</a:t>
             </a:fld>
             <a:endParaRPr lang="en-US"/>
           </a:p>
@@ -2482,7 +2482,7 @@
           <a:p>
             <a:fld id="{8CE540A3-FD08-4A68-8B7A-9AAAB4FC9B04}" type="datetimeFigureOut">
               <a:rPr lang="en-US" smtClean="0"/>
-              <a:t>1/19/2025</a:t>
+              <a:t>1/21/2025</a:t>
             </a:fld>
             <a:endParaRPr lang="en-US"/>
           </a:p>
@@ -2652,7 +2652,7 @@
           <a:p>
             <a:fld id="{8CE540A3-FD08-4A68-8B7A-9AAAB4FC9B04}" type="datetimeFigureOut">
               <a:rPr lang="en-US" smtClean="0"/>
-              <a:t>1/19/2025</a:t>
+              <a:t>1/21/2025</a:t>
             </a:fld>
             <a:endParaRPr lang="en-US"/>
           </a:p>
@@ -2832,7 +2832,7 @@
           <a:p>
             <a:fld id="{8CE540A3-FD08-4A68-8B7A-9AAAB4FC9B04}" type="datetimeFigureOut">
               <a:rPr lang="en-US" smtClean="0"/>
-              <a:t>1/19/2025</a:t>
+              <a:t>1/21/2025</a:t>
             </a:fld>
             <a:endParaRPr lang="en-US"/>
           </a:p>
@@ -3008,7 +3008,7 @@
           <a:p>
             <a:fld id="{8CE540A3-FD08-4A68-8B7A-9AAAB4FC9B04}" type="datetimeFigureOut">
               <a:rPr lang="en-US" smtClean="0"/>
-              <a:t>1/19/2025</a:t>
+              <a:t>1/21/2025</a:t>
             </a:fld>
             <a:endParaRPr lang="en-US"/>
           </a:p>
@@ -3255,7 +3255,7 @@
           <a:p>
             <a:fld id="{8CE540A3-FD08-4A68-8B7A-9AAAB4FC9B04}" type="datetimeFigureOut">
               <a:rPr lang="en-US" smtClean="0"/>
-              <a:t>1/19/2025</a:t>
+              <a:t>1/21/2025</a:t>
             </a:fld>
             <a:endParaRPr lang="en-US"/>
           </a:p>
@@ -3487,7 +3487,7 @@
           <a:p>
             <a:fld id="{8CE540A3-FD08-4A68-8B7A-9AAAB4FC9B04}" type="datetimeFigureOut">
               <a:rPr lang="en-US" smtClean="0"/>
-              <a:t>1/19/2025</a:t>
+              <a:t>1/21/2025</a:t>
             </a:fld>
             <a:endParaRPr lang="en-US"/>
           </a:p>
@@ -3861,7 +3861,7 @@
           <a:p>
             <a:fld id="{8CE540A3-FD08-4A68-8B7A-9AAAB4FC9B04}" type="datetimeFigureOut">
               <a:rPr lang="en-US" smtClean="0"/>
-              <a:t>1/19/2025</a:t>
+              <a:t>1/21/2025</a:t>
             </a:fld>
             <a:endParaRPr lang="en-US"/>
           </a:p>
@@ -3984,7 +3984,7 @@
           <a:p>
             <a:fld id="{8CE540A3-FD08-4A68-8B7A-9AAAB4FC9B04}" type="datetimeFigureOut">
               <a:rPr lang="en-US" smtClean="0"/>
-              <a:t>1/19/2025</a:t>
+              <a:t>1/21/2025</a:t>
             </a:fld>
             <a:endParaRPr lang="en-US"/>
           </a:p>
@@ -4079,7 +4079,7 @@
           <a:p>
             <a:fld id="{8CE540A3-FD08-4A68-8B7A-9AAAB4FC9B04}" type="datetimeFigureOut">
               <a:rPr lang="en-US" smtClean="0"/>
-              <a:t>1/19/2025</a:t>
+              <a:t>1/21/2025</a:t>
             </a:fld>
             <a:endParaRPr lang="en-US"/>
           </a:p>
@@ -4334,7 +4334,7 @@
           <a:p>
             <a:fld id="{8CE540A3-FD08-4A68-8B7A-9AAAB4FC9B04}" type="datetimeFigureOut">
               <a:rPr lang="en-US" smtClean="0"/>
-              <a:t>1/19/2025</a:t>
+              <a:t>1/21/2025</a:t>
             </a:fld>
             <a:endParaRPr lang="en-US"/>
           </a:p>
@@ -4597,7 +4597,7 @@
           <a:p>
             <a:fld id="{8CE540A3-FD08-4A68-8B7A-9AAAB4FC9B04}" type="datetimeFigureOut">
               <a:rPr lang="en-US" smtClean="0"/>
-              <a:t>1/19/2025</a:t>
+              <a:t>1/21/2025</a:t>
             </a:fld>
             <a:endParaRPr lang="en-US"/>
           </a:p>
@@ -5340,7 +5340,7 @@
           <a:p>
             <a:fld id="{8CE540A3-FD08-4A68-8B7A-9AAAB4FC9B04}" type="datetimeFigureOut">
               <a:rPr lang="en-US" smtClean="0"/>
-              <a:t>1/19/2025</a:t>
+              <a:t>1/21/2025</a:t>
             </a:fld>
             <a:endParaRPr lang="en-US"/>
           </a:p>
@@ -6370,10 +6370,10 @@
       </p:sp>
       <p:pic>
         <p:nvPicPr>
-          <p:cNvPr id="5" name="Picture 4">
+          <p:cNvPr id="4" name="Picture 3">
             <a:extLst>
               <a:ext uri="{FF2B5EF4-FFF2-40B4-BE49-F238E27FC236}">
-                <a16:creationId xmlns:a16="http://schemas.microsoft.com/office/drawing/2014/main" id="{9566AD40-20F3-4C54-D798-16D9D1153D12}"/>
+                <a16:creationId xmlns:a16="http://schemas.microsoft.com/office/drawing/2014/main" id="{67D437CF-D2A4-5B4E-066F-5EBF591BD828}"/>
               </a:ext>
             </a:extLst>
           </p:cNvPr>
@@ -6390,8 +6390,8 @@
         </p:blipFill>
         <p:spPr>
           <a:xfrm>
-            <a:off x="629264" y="1463935"/>
-            <a:ext cx="5799323" cy="4854361"/>
+            <a:off x="179622" y="1468226"/>
+            <a:ext cx="6378493" cy="5121084"/>
           </a:xfrm>
           <a:prstGeom prst="rect">
             <a:avLst/>
@@ -6787,7 +6787,7 @@
         <p:spPr>
           <a:xfrm>
             <a:off x="1022555" y="2074606"/>
-            <a:ext cx="8445910" cy="3059427"/>
+            <a:ext cx="8445910" cy="3458383"/>
           </a:xfrm>
           <a:prstGeom prst="rect">
             <a:avLst/>
@@ -6947,16 +6947,7 @@
                 <a:ea typeface="Calibri" panose="020F0502020204030204" pitchFamily="34" charset="0"/>
                 <a:cs typeface="Times New Roman" panose="02020603050405020304" pitchFamily="18" charset="0"/>
               </a:rPr>
-              <a:t>          </a:t>
-            </a:r>
-            <a:r>
-              <a:rPr lang="en-US" sz="1800" kern="100" dirty="0">
-                <a:effectLst/>
-                <a:latin typeface="Calibri" panose="020F0502020204030204" pitchFamily="34" charset="0"/>
-                <a:ea typeface="Calibri" panose="020F0502020204030204" pitchFamily="34" charset="0"/>
-                <a:cs typeface="Times New Roman" panose="02020603050405020304" pitchFamily="18" charset="0"/>
-              </a:rPr>
-              <a:t>Improves model performance by cleaning and understanding data.</a:t>
+              <a:t>	 Improving Risk Stratification.</a:t>
             </a:r>
           </a:p>
           <a:p>
@@ -6972,6 +6963,36 @@
                 <a:tab pos="457200" algn="l"/>
               </a:tabLst>
             </a:pPr>
+            <a:r>
+              <a:rPr lang="en-US" kern="100" dirty="0">
+                <a:latin typeface="Calibri" panose="020F0502020204030204" pitchFamily="34" charset="0"/>
+                <a:ea typeface="Calibri" panose="020F0502020204030204" pitchFamily="34" charset="0"/>
+                <a:cs typeface="Times New Roman" panose="02020603050405020304" pitchFamily="18" charset="0"/>
+              </a:rPr>
+              <a:t>	 Identifying Key Risk Factors.</a:t>
+            </a:r>
+          </a:p>
+          <a:p>
+            <a:pPr marR="0" lvl="0">
+              <a:lnSpc>
+                <a:spcPct val="107000"/>
+              </a:lnSpc>
+              <a:spcAft>
+                <a:spcPts val="800"/>
+              </a:spcAft>
+              <a:buSzPts val="1000"/>
+              <a:tabLst>
+                <a:tab pos="457200" algn="l"/>
+              </a:tabLst>
+            </a:pPr>
+            <a:r>
+              <a:rPr lang="en-US" kern="100" dirty="0">
+                <a:latin typeface="Calibri" panose="020F0502020204030204" pitchFamily="34" charset="0"/>
+                <a:ea typeface="Calibri" panose="020F0502020204030204" pitchFamily="34" charset="0"/>
+                <a:cs typeface="Times New Roman" panose="02020603050405020304" pitchFamily="18" charset="0"/>
+              </a:rPr>
+              <a:t>	</a:t>
+            </a:r>
             <a:endParaRPr lang="en-US" sz="1800" kern="100" dirty="0">
               <a:effectLst/>
               <a:latin typeface="Calibri" panose="020F0502020204030204" pitchFamily="34" charset="0"/>
@@ -7654,7 +7675,25 @@
                 <a:ea typeface="Calibri" panose="020F0502020204030204" pitchFamily="34" charset="0"/>
                 <a:cs typeface="Times New Roman" panose="02020603050405020304" pitchFamily="18" charset="0"/>
               </a:rPr>
-              <a:t>Converting dates into numerical formats (e.g., year since application).</a:t>
+              <a:t>Converting dates into numerical formats (e.g., </a:t>
+            </a:r>
+            <a:r>
+              <a:rPr lang="en-US" sz="2400" kern="100" dirty="0" err="1">
+                <a:effectLst/>
+                <a:latin typeface="Calibri" panose="020F0502020204030204" pitchFamily="34" charset="0"/>
+                <a:ea typeface="Calibri" panose="020F0502020204030204" pitchFamily="34" charset="0"/>
+                <a:cs typeface="Times New Roman" panose="02020603050405020304" pitchFamily="18" charset="0"/>
+              </a:rPr>
+              <a:t>year,month</a:t>
+            </a:r>
+            <a:r>
+              <a:rPr lang="en-US" sz="2400" kern="100" dirty="0">
+                <a:effectLst/>
+                <a:latin typeface="Calibri" panose="020F0502020204030204" pitchFamily="34" charset="0"/>
+                <a:ea typeface="Calibri" panose="020F0502020204030204" pitchFamily="34" charset="0"/>
+                <a:cs typeface="Times New Roman" panose="02020603050405020304" pitchFamily="18" charset="0"/>
+              </a:rPr>
+              <a:t> since application).</a:t>
             </a:r>
           </a:p>
           <a:p>
@@ -7902,7 +7941,7 @@
         <p:spPr>
           <a:xfrm>
             <a:off x="629265" y="1494503"/>
-            <a:ext cx="8839200" cy="4750403"/>
+            <a:ext cx="8839200" cy="5145576"/>
           </a:xfrm>
           <a:prstGeom prst="rect">
             <a:avLst/>
@@ -7967,7 +8006,41 @@
                 <a:ea typeface="Calibri" panose="020F0502020204030204" pitchFamily="34" charset="0"/>
                 <a:cs typeface="Times New Roman" panose="02020603050405020304" pitchFamily="18" charset="0"/>
               </a:rPr>
-              <a:t>Boxplots to detect anomalies in loan amount, income, etc.</a:t>
+              <a:t>Boxplots</a:t>
+            </a:r>
+            <a:r>
+              <a:rPr lang="en-US" sz="2400" kern="100" dirty="0">
+                <a:latin typeface="Calibri" panose="020F0502020204030204" pitchFamily="34" charset="0"/>
+                <a:ea typeface="Calibri" panose="020F0502020204030204" pitchFamily="34" charset="0"/>
+                <a:cs typeface="Times New Roman" panose="02020603050405020304" pitchFamily="18" charset="0"/>
+              </a:rPr>
+              <a:t> and </a:t>
+            </a:r>
+            <a:r>
+              <a:rPr lang="en-US" sz="2400" kern="100" dirty="0">
+                <a:effectLst/>
+                <a:latin typeface="Calibri" panose="020F0502020204030204" pitchFamily="34" charset="0"/>
+                <a:ea typeface="Calibri" panose="020F0502020204030204" pitchFamily="34" charset="0"/>
+                <a:cs typeface="Times New Roman" panose="02020603050405020304" pitchFamily="18" charset="0"/>
+              </a:rPr>
+              <a:t>Histogra</a:t>
+            </a:r>
+            <a:r>
+              <a:rPr lang="en-US" sz="2400" kern="100" dirty="0">
+                <a:latin typeface="Calibri" panose="020F0502020204030204" pitchFamily="34" charset="0"/>
+                <a:ea typeface="Calibri" panose="020F0502020204030204" pitchFamily="34" charset="0"/>
+                <a:cs typeface="Times New Roman" panose="02020603050405020304" pitchFamily="18" charset="0"/>
+              </a:rPr>
+              <a:t>m</a:t>
+            </a:r>
+            <a:r>
+              <a:rPr lang="en-US" sz="2400" kern="100" dirty="0">
+                <a:effectLst/>
+                <a:latin typeface="Calibri" panose="020F0502020204030204" pitchFamily="34" charset="0"/>
+                <a:ea typeface="Calibri" panose="020F0502020204030204" pitchFamily="34" charset="0"/>
+                <a:cs typeface="Times New Roman" panose="02020603050405020304" pitchFamily="18" charset="0"/>
+              </a:rPr>
+              <a:t> to detect anomalies in loan amount, income, etc.</a:t>
             </a:r>
           </a:p>
           <a:p>
@@ -8237,7 +8310,7 @@
         <p:spPr>
           <a:xfrm>
             <a:off x="629265" y="1494503"/>
-            <a:ext cx="8839200" cy="6038513"/>
+            <a:ext cx="8839200" cy="6433684"/>
           </a:xfrm>
           <a:prstGeom prst="rect">
             <a:avLst/>
@@ -8302,7 +8375,7 @@
                 <a:ea typeface="Calibri" panose="020F0502020204030204" pitchFamily="34" charset="0"/>
                 <a:cs typeface="Times New Roman" panose="02020603050405020304" pitchFamily="18" charset="0"/>
               </a:rPr>
-              <a:t>Distribution of DTI, loan amounts, interest rates, term, verification status, Installment , and income using histograms.</a:t>
+              <a:t>Distribution of DTI, loan amounts, interest rates, term, verification status, Installment , and income using histograms ,count plot and Bar chart etc.</a:t>
             </a:r>
           </a:p>
           <a:p>
@@ -8327,7 +8400,25 @@
                 <a:ea typeface="Calibri" panose="020F0502020204030204" pitchFamily="34" charset="0"/>
                 <a:cs typeface="Times New Roman" panose="02020603050405020304" pitchFamily="18" charset="0"/>
               </a:rPr>
-              <a:t>Key statistics (mean, median, standard deviation).</a:t>
+              <a:t>Key statistics (mean, median, standard </a:t>
+            </a:r>
+            <a:r>
+              <a:rPr lang="en-US" sz="2400" kern="100" dirty="0" err="1">
+                <a:effectLst/>
+                <a:latin typeface="Calibri" panose="020F0502020204030204" pitchFamily="34" charset="0"/>
+                <a:ea typeface="Calibri" panose="020F0502020204030204" pitchFamily="34" charset="0"/>
+                <a:cs typeface="Times New Roman" panose="02020603050405020304" pitchFamily="18" charset="0"/>
+              </a:rPr>
+              <a:t>deviation,info</a:t>
+            </a:r>
+            <a:r>
+              <a:rPr lang="en-US" sz="2400" kern="100" dirty="0">
+                <a:effectLst/>
+                <a:latin typeface="Calibri" panose="020F0502020204030204" pitchFamily="34" charset="0"/>
+                <a:ea typeface="Calibri" panose="020F0502020204030204" pitchFamily="34" charset="0"/>
+                <a:cs typeface="Times New Roman" panose="02020603050405020304" pitchFamily="18" charset="0"/>
+              </a:rPr>
+              <a:t>).</a:t>
             </a:r>
           </a:p>
           <a:p>
@@ -9225,10 +9316,10 @@
       </p:sp>
       <p:pic>
         <p:nvPicPr>
-          <p:cNvPr id="5" name="Picture 4">
+          <p:cNvPr id="4" name="Picture 3">
             <a:extLst>
               <a:ext uri="{FF2B5EF4-FFF2-40B4-BE49-F238E27FC236}">
-                <a16:creationId xmlns:a16="http://schemas.microsoft.com/office/drawing/2014/main" id="{9C2E33E2-A0FE-115E-A57B-441D0B5638D9}"/>
+                <a16:creationId xmlns:a16="http://schemas.microsoft.com/office/drawing/2014/main" id="{ED021EA9-1484-20F7-ACD9-444455C8FBD2}"/>
               </a:ext>
             </a:extLst>
           </p:cNvPr>
@@ -9245,8 +9336,8 @@
         </p:blipFill>
         <p:spPr>
           <a:xfrm>
-            <a:off x="0" y="1221725"/>
-            <a:ext cx="5142271" cy="2278559"/>
+            <a:off x="212850" y="1091387"/>
+            <a:ext cx="4703279" cy="2528317"/>
           </a:xfrm>
           <a:prstGeom prst="rect">
             <a:avLst/>
@@ -9255,10 +9346,10 @@
       </p:pic>
       <p:pic>
         <p:nvPicPr>
-          <p:cNvPr id="7" name="Picture 6">
+          <p:cNvPr id="8" name="Picture 7">
             <a:extLst>
               <a:ext uri="{FF2B5EF4-FFF2-40B4-BE49-F238E27FC236}">
-                <a16:creationId xmlns:a16="http://schemas.microsoft.com/office/drawing/2014/main" id="{1F86327A-C307-BB62-3CFF-78CB38471C9D}"/>
+                <a16:creationId xmlns:a16="http://schemas.microsoft.com/office/drawing/2014/main" id="{5BA143FF-A004-DC96-4960-E66F15026894}"/>
               </a:ext>
             </a:extLst>
           </p:cNvPr>
@@ -9275,8 +9366,8 @@
         </p:blipFill>
         <p:spPr>
           <a:xfrm>
-            <a:off x="4916129" y="1317523"/>
-            <a:ext cx="4654892" cy="2025445"/>
+            <a:off x="4601524" y="1221725"/>
+            <a:ext cx="4969497" cy="2457423"/>
           </a:xfrm>
           <a:prstGeom prst="rect">
             <a:avLst/>
@@ -9285,10 +9376,10 @@
       </p:pic>
       <p:pic>
         <p:nvPicPr>
-          <p:cNvPr id="9" name="Picture 8">
+          <p:cNvPr id="12" name="Picture 11">
             <a:extLst>
               <a:ext uri="{FF2B5EF4-FFF2-40B4-BE49-F238E27FC236}">
-                <a16:creationId xmlns:a16="http://schemas.microsoft.com/office/drawing/2014/main" id="{C66DF4DB-C5B4-80A2-8229-AC9F239B100B}"/>
+                <a16:creationId xmlns:a16="http://schemas.microsoft.com/office/drawing/2014/main" id="{5CB542F9-840C-7C53-17CE-63376313A586}"/>
               </a:ext>
             </a:extLst>
           </p:cNvPr>
@@ -9305,8 +9396,8 @@
         </p:blipFill>
         <p:spPr>
           <a:xfrm>
-            <a:off x="0" y="3605913"/>
-            <a:ext cx="5211097" cy="2696563"/>
+            <a:off x="212849" y="3750042"/>
+            <a:ext cx="4565628" cy="2876900"/>
           </a:xfrm>
           <a:prstGeom prst="rect">
             <a:avLst/>
@@ -9315,10 +9406,10 @@
       </p:pic>
       <p:pic>
         <p:nvPicPr>
-          <p:cNvPr id="11" name="Picture 10">
+          <p:cNvPr id="14" name="Picture 13">
             <a:extLst>
               <a:ext uri="{FF2B5EF4-FFF2-40B4-BE49-F238E27FC236}">
-                <a16:creationId xmlns:a16="http://schemas.microsoft.com/office/drawing/2014/main" id="{E4E9661B-F0D9-16DB-E227-8337B8506D96}"/>
+                <a16:creationId xmlns:a16="http://schemas.microsoft.com/office/drawing/2014/main" id="{16BE0598-8230-9580-A30D-78558AE9D1DB}"/>
               </a:ext>
             </a:extLst>
           </p:cNvPr>
@@ -9335,8 +9426,8 @@
         </p:blipFill>
         <p:spPr>
           <a:xfrm>
-            <a:off x="5128205" y="3609880"/>
-            <a:ext cx="4442816" cy="2573708"/>
+            <a:off x="4778477" y="3750042"/>
+            <a:ext cx="4969497" cy="2798242"/>
           </a:xfrm>
           <a:prstGeom prst="rect">
             <a:avLst/>
